--- a/Report/异步.pptx
+++ b/Report/异步.pptx
@@ -8864,7 +8864,7 @@
         </p:nvSpPr>
         <p:spPr>
           <a:xfrm>
-            <a:off x="5120005" y="2514600"/>
+            <a:off x="4484370" y="2616835"/>
             <a:ext cx="4064000" cy="368300"/>
           </a:xfrm>
           <a:prstGeom prst="rect">
@@ -8883,7 +8883,23 @@
                   <a:srgbClr val="FF0000"/>
                 </a:solidFill>
               </a:rPr>
-              <a:t>代码在该仓库</a:t>
+              <a:t>代码在该仓库的</a:t>
+            </a:r>
+            <a:r>
+              <a:rPr lang="en-US" altLang="zh-CN">
+                <a:solidFill>
+                  <a:srgbClr val="FF0000"/>
+                </a:solidFill>
+              </a:rPr>
+              <a:t>async</a:t>
+            </a:r>
+            <a:r>
+              <a:rPr lang="zh-CN" altLang="en-US">
+                <a:solidFill>
+                  <a:srgbClr val="FF0000"/>
+                </a:solidFill>
+              </a:rPr>
+              <a:t>文件夹</a:t>
             </a:r>
             <a:endParaRPr lang="zh-CN" altLang="en-US">
               <a:solidFill>
